--- a/lessons/lesson3/lesson3.pptx
+++ b/lessons/lesson3/lesson3.pptx
@@ -2498,7 +2498,7 @@
             <a:endParaRPr lang="en-US" dirty="0" smtClean="0"/>
           </a:p>
           <a:p>
-            <a:endParaRPr lang="en-US"/>
+            <a:endParaRPr lang="en-US" dirty="0"/>
           </a:p>
           <a:p>
             <a:endParaRPr lang="en-US" dirty="0" smtClean="0"/>
@@ -2592,7 +2592,7 @@
           <a:p>
             <a:r>
               <a:rPr lang="en-US" dirty="0" smtClean="0"/>
-              <a:t>External CSS</a:t>
+              <a:t>HTML continued</a:t>
             </a:r>
             <a:endParaRPr lang="en-US" dirty="0"/>
           </a:p>
@@ -2615,75 +2615,29 @@
           <a:p>
             <a:r>
               <a:rPr lang="en-US" dirty="0" smtClean="0"/>
-              <a:t>Used to define the styling for many HTML pages</a:t>
-            </a:r>
-          </a:p>
-          <a:p>
+              <a:t>Now back in the </a:t>
+            </a:r>
+            <a:r>
+              <a:rPr lang="en-US" dirty="0" err="1" smtClean="0"/>
+              <a:t>index.html</a:t>
+            </a:r>
+            <a:r>
+              <a:rPr lang="en-US" dirty="0"/>
+              <a:t> </a:t>
+            </a:r>
             <a:r>
               <a:rPr lang="en-US" dirty="0" smtClean="0"/>
-              <a:t>This is powerful since you can change the look of your entire website using just one file</a:t>
-            </a:r>
-          </a:p>
-          <a:p>
-            <a:r>
-              <a:rPr lang="en-US" dirty="0" smtClean="0"/>
-              <a:t>First, add the link to the style sheet into the &lt;head&gt; section of your code:</a:t>
-            </a:r>
-          </a:p>
-          <a:p>
-            <a:pPr lvl="8"/>
-            <a:r>
-              <a:rPr lang="en-US" dirty="0" err="1" smtClean="0"/>
-              <a:t>fttt</a:t>
-            </a:r>
-            <a:r>
-              <a:rPr lang="en-US" dirty="0" smtClean="0"/>
-              <a:t>		The </a:t>
-            </a:r>
-            <a:r>
-              <a:rPr lang="en-US" u="sng" dirty="0" err="1" smtClean="0"/>
-              <a:t>href</a:t>
-            </a:r>
-            <a:r>
-              <a:rPr lang="en-US" dirty="0" smtClean="0"/>
-              <a:t> attribute is the link to your sheet. This file must 		be within the same folder in order to link it using just the 		name of the file.</a:t>
-            </a:r>
-            <a:endParaRPr lang="en-US" dirty="0"/>
+              <a:t>file, we need to add those classes in order to change the elements</a:t>
+            </a:r>
           </a:p>
           <a:p>
             <a:endParaRPr lang="en-US" dirty="0" smtClean="0"/>
-          </a:p>
-          <a:p>
-            <a:endParaRPr lang="en-US" dirty="0"/>
-          </a:p>
-          <a:p>
-            <a:endParaRPr lang="en-US" dirty="0" smtClean="0"/>
-          </a:p>
-          <a:p>
-            <a:endParaRPr lang="en-US" dirty="0" smtClean="0"/>
-          </a:p>
-          <a:p>
-            <a:r>
-              <a:rPr lang="en-US" dirty="0" smtClean="0"/>
-              <a:t>An example of what your .</a:t>
-            </a:r>
-            <a:r>
-              <a:rPr lang="en-US" dirty="0" err="1" smtClean="0"/>
-              <a:t>css</a:t>
-            </a:r>
-            <a:r>
-              <a:rPr lang="en-US" dirty="0" smtClean="0"/>
-              <a:t> file could look like:</a:t>
-            </a:r>
-          </a:p>
-          <a:p>
-            <a:endParaRPr lang="en-US" dirty="0"/>
           </a:p>
         </p:txBody>
       </p:sp>
       <p:pic>
         <p:nvPicPr>
-          <p:cNvPr id="5" name="Picture 4"/>
+          <p:cNvPr id="4" name="Picture 3"/>
           <p:cNvPicPr>
             <a:picLocks noChangeAspect="1"/>
           </p:cNvPicPr>
@@ -2703,38 +2657,8 @@
         </p:blipFill>
         <p:spPr>
           <a:xfrm>
-            <a:off x="1600200" y="4800600"/>
-            <a:ext cx="2717800" cy="1618847"/>
-          </a:xfrm>
-          <a:prstGeom prst="rect">
-            <a:avLst/>
-          </a:prstGeom>
-        </p:spPr>
-      </p:pic>
-      <p:pic>
-        <p:nvPicPr>
-          <p:cNvPr id="6" name="Picture 5"/>
-          <p:cNvPicPr>
-            <a:picLocks noChangeAspect="1"/>
-          </p:cNvPicPr>
-          <p:nvPr/>
-        </p:nvPicPr>
-        <p:blipFill>
-          <a:blip r:embed="rId3">
-            <a:extLst>
-              <a:ext uri="{28A0092B-C50C-407E-A947-70E740481C1C}">
-                <a14:useLocalDpi xmlns:a14="http://schemas.microsoft.com/office/drawing/2010/main" val="0"/>
-              </a:ext>
-            </a:extLst>
-          </a:blip>
-          <a:stretch>
-            <a:fillRect/>
-          </a:stretch>
-        </p:blipFill>
-        <p:spPr>
-          <a:xfrm>
-            <a:off x="1635642" y="2438400"/>
-            <a:ext cx="3070520" cy="1845469"/>
+            <a:off x="685800" y="1905000"/>
+            <a:ext cx="6908800" cy="2540000"/>
           </a:xfrm>
           <a:prstGeom prst="rect">
             <a:avLst/>
@@ -2795,7 +2719,7 @@
           <a:p>
             <a:r>
               <a:rPr lang="en-US" dirty="0" smtClean="0"/>
-              <a:t>Example styling</a:t>
+              <a:t>HTML continued</a:t>
             </a:r>
             <a:endParaRPr lang="en-US" dirty="0"/>
           </a:p>
@@ -2818,56 +2742,44 @@
           <a:p>
             <a:r>
               <a:rPr lang="en-US" dirty="0" smtClean="0"/>
-              <a:t>Here are some things you can change on a website:</a:t>
+              <a:t>The website should now look like:</a:t>
             </a:r>
           </a:p>
           <a:p>
             <a:endParaRPr lang="en-US" dirty="0" smtClean="0"/>
-          </a:p>
-          <a:p>
-            <a:r>
-              <a:rPr lang="en-US" dirty="0" smtClean="0"/>
-              <a:t>Color (color of the font)</a:t>
-            </a:r>
-          </a:p>
-          <a:p>
-            <a:endParaRPr lang="en-US" dirty="0" smtClean="0"/>
-          </a:p>
-          <a:p>
-            <a:r>
-              <a:rPr lang="en-US" dirty="0" smtClean="0"/>
-              <a:t>Background-color (the color of the background)</a:t>
-            </a:r>
-          </a:p>
-          <a:p>
-            <a:endParaRPr lang="en-US" dirty="0" smtClean="0"/>
-          </a:p>
-          <a:p>
-            <a:r>
-              <a:rPr lang="en-US" dirty="0" smtClean="0"/>
-              <a:t>font-size (size of the font)</a:t>
-            </a:r>
-          </a:p>
-          <a:p>
-            <a:endParaRPr lang="en-US" dirty="0" smtClean="0"/>
-          </a:p>
-          <a:p>
-            <a:r>
-              <a:rPr lang="en-US" dirty="0" smtClean="0"/>
-              <a:t>font-family (font type/family)</a:t>
-            </a:r>
-          </a:p>
-          <a:p>
-            <a:endParaRPr lang="en-US" dirty="0" smtClean="0"/>
-          </a:p>
-          <a:p>
-            <a:r>
-              <a:rPr lang="en-US" dirty="0" smtClean="0"/>
-              <a:t>Border (gives a border surrounding the element)</a:t>
-            </a:r>
           </a:p>
         </p:txBody>
       </p:sp>
+      <p:pic>
+        <p:nvPicPr>
+          <p:cNvPr id="4" name="Picture 3"/>
+          <p:cNvPicPr>
+            <a:picLocks noChangeAspect="1"/>
+          </p:cNvPicPr>
+          <p:nvPr/>
+        </p:nvPicPr>
+        <p:blipFill>
+          <a:blip r:embed="rId2">
+            <a:extLst>
+              <a:ext uri="{28A0092B-C50C-407E-A947-70E740481C1C}">
+                <a14:useLocalDpi xmlns:a14="http://schemas.microsoft.com/office/drawing/2010/main" val="0"/>
+              </a:ext>
+            </a:extLst>
+          </a:blip>
+          <a:stretch>
+            <a:fillRect/>
+          </a:stretch>
+        </p:blipFill>
+        <p:spPr>
+          <a:xfrm>
+            <a:off x="0" y="1524000"/>
+            <a:ext cx="9144000" cy="3136165"/>
+          </a:xfrm>
+          <a:prstGeom prst="rect">
+            <a:avLst/>
+          </a:prstGeom>
+        </p:spPr>
+      </p:pic>
     </p:spTree>
     <p:extLst>
       <p:ext uri="{BB962C8B-B14F-4D97-AF65-F5344CB8AC3E}">
